--- a/PPT_Kanban.pptx
+++ b/PPT_Kanban.pptx
@@ -120,6 +120,82 @@
     </p:ext>
   </p:extLst>
 </p:presentation>
+</file>
+
+<file path=ppt/revisionInfo.xml><?xml version="1.0" encoding="utf-8"?>
+<p1510:revInfo xmlns:a="http://schemas.openxmlformats.org/drawingml/2006/main" xmlns:r="http://schemas.openxmlformats.org/officeDocument/2006/relationships" xmlns:p1510="http://schemas.microsoft.com/office/powerpoint/2015/10/main">
+  <p1510:revLst>
+    <p1510:client id="{5FC049D0-BF4F-49BC-BF1D-6AD94E3352C0}" v="2" dt="2023-11-16T14:13:25.320"/>
+  </p1510:revLst>
+</p1510:revInfo>
+</file>
+
+<file path=ppt/changesInfos/changesInfo1.xml><?xml version="1.0" encoding="utf-8"?>
+<pc:chgInfo xmlns:a="http://schemas.openxmlformats.org/drawingml/2006/main" xmlns:r="http://schemas.openxmlformats.org/officeDocument/2006/relationships" xmlns:ac="http://schemas.microsoft.com/office/drawing/2013/main/command" xmlns:pc="http://schemas.microsoft.com/office/powerpoint/2013/main/command">
+  <pc:docChgLst>
+    <pc:chgData name="Maëlle N" userId="7baa61a33e5326fa" providerId="LiveId" clId="{5FC049D0-BF4F-49BC-BF1D-6AD94E3352C0}"/>
+    <pc:docChg chg="modSld">
+      <pc:chgData name="Maëlle N" userId="7baa61a33e5326fa" providerId="LiveId" clId="{5FC049D0-BF4F-49BC-BF1D-6AD94E3352C0}" dt="2023-11-16T14:14:10.229" v="28" actId="1035"/>
+      <pc:docMkLst>
+        <pc:docMk/>
+      </pc:docMkLst>
+      <pc:sldChg chg="modSp">
+        <pc:chgData name="Maëlle N" userId="7baa61a33e5326fa" providerId="LiveId" clId="{5FC049D0-BF4F-49BC-BF1D-6AD94E3352C0}" dt="2023-11-16T14:13:25.320" v="1" actId="207"/>
+        <pc:sldMkLst>
+          <pc:docMk/>
+          <pc:sldMk cId="2719654185" sldId="258"/>
+        </pc:sldMkLst>
+        <pc:graphicFrameChg chg="mod">
+          <ac:chgData name="Maëlle N" userId="7baa61a33e5326fa" providerId="LiveId" clId="{5FC049D0-BF4F-49BC-BF1D-6AD94E3352C0}" dt="2023-11-16T14:13:25.320" v="1" actId="207"/>
+          <ac:graphicFrameMkLst>
+            <pc:docMk/>
+            <pc:sldMk cId="2719654185" sldId="258"/>
+            <ac:graphicFrameMk id="5" creationId="{9EEEBE8C-C120-D478-4EB7-18122381A95F}"/>
+          </ac:graphicFrameMkLst>
+        </pc:graphicFrameChg>
+      </pc:sldChg>
+      <pc:sldChg chg="modSp mod">
+        <pc:chgData name="Maëlle N" userId="7baa61a33e5326fa" providerId="LiveId" clId="{5FC049D0-BF4F-49BC-BF1D-6AD94E3352C0}" dt="2023-11-16T14:14:10.229" v="28" actId="1035"/>
+        <pc:sldMkLst>
+          <pc:docMk/>
+          <pc:sldMk cId="1482499641" sldId="259"/>
+        </pc:sldMkLst>
+        <pc:spChg chg="mod">
+          <ac:chgData name="Maëlle N" userId="7baa61a33e5326fa" providerId="LiveId" clId="{5FC049D0-BF4F-49BC-BF1D-6AD94E3352C0}" dt="2023-11-16T14:13:56.010" v="3"/>
+          <ac:spMkLst>
+            <pc:docMk/>
+            <pc:sldMk cId="1482499641" sldId="259"/>
+            <ac:spMk id="3" creationId="{9F223F86-36C1-6843-8F44-62078167E6A1}"/>
+          </ac:spMkLst>
+        </pc:spChg>
+        <pc:picChg chg="mod">
+          <ac:chgData name="Maëlle N" userId="7baa61a33e5326fa" providerId="LiveId" clId="{5FC049D0-BF4F-49BC-BF1D-6AD94E3352C0}" dt="2023-11-16T14:14:10.229" v="28" actId="1035"/>
+          <ac:picMkLst>
+            <pc:docMk/>
+            <pc:sldMk cId="1482499641" sldId="259"/>
+            <ac:picMk id="5" creationId="{171B78BF-F9C8-729E-C261-A28F666CD704}"/>
+          </ac:picMkLst>
+        </pc:picChg>
+        <pc:picChg chg="mod">
+          <ac:chgData name="Maëlle N" userId="7baa61a33e5326fa" providerId="LiveId" clId="{5FC049D0-BF4F-49BC-BF1D-6AD94E3352C0}" dt="2023-11-16T14:14:10.229" v="28" actId="1035"/>
+          <ac:picMkLst>
+            <pc:docMk/>
+            <pc:sldMk cId="1482499641" sldId="259"/>
+            <ac:picMk id="7" creationId="{EDFC52E1-16E3-1DC4-F22F-C602FF7651A8}"/>
+          </ac:picMkLst>
+        </pc:picChg>
+        <pc:picChg chg="mod">
+          <ac:chgData name="Maëlle N" userId="7baa61a33e5326fa" providerId="LiveId" clId="{5FC049D0-BF4F-49BC-BF1D-6AD94E3352C0}" dt="2023-11-16T14:14:10.229" v="28" actId="1035"/>
+          <ac:picMkLst>
+            <pc:docMk/>
+            <pc:sldMk cId="1482499641" sldId="259"/>
+            <ac:picMk id="9" creationId="{D305A3B2-16E7-AAB1-5CAE-ABD68B5F6A6D}"/>
+          </ac:picMkLst>
+        </pc:picChg>
+      </pc:sldChg>
+    </pc:docChg>
+  </pc:docChgLst>
+</pc:chgInfo>
 </file>
 
 <file path=ppt/diagrams/colors1.xml><?xml version="1.0" encoding="utf-8"?>
@@ -1171,6 +1247,7 @@
               </a:ext>
             </a:extLst>
           </a:blip>
+          <a:srcRect/>
           <a:stretch>
             <a:fillRect/>
           </a:stretch>
@@ -1181,7 +1258,7 @@
       </dgm:spPr>
       <dgm:extLst>
         <a:ext uri="{E40237B7-FDA0-4F09-8148-C483321AD2D9}">
-          <dgm14:cNvPr xmlns:dgm14="http://schemas.microsoft.com/office/drawing/2010/diagram" id="0" name="" descr="Enseignant"/>
+          <dgm14:cNvPr xmlns:dgm14="http://schemas.microsoft.com/office/drawing/2010/diagram" id="0" name="" descr="Mur de briques en construction avec un remplissage uni"/>
         </a:ext>
       </dgm:extLst>
     </dgm:pt>
@@ -1578,6 +1655,7 @@
               </a:ext>
             </a:extLst>
           </a:blip>
+          <a:srcRect/>
           <a:stretch>
             <a:fillRect/>
           </a:stretch>
@@ -3441,7 +3519,7 @@
           <a:p>
             <a:fld id="{A0D31D1D-66D5-45D1-B61A-EFF9A2169851}" type="datetimeFigureOut">
               <a:rPr lang="fr-FR" smtClean="0"/>
-              <a:t>14/11/2023</a:t>
+              <a:t>16/11/2023</a:t>
             </a:fld>
             <a:endParaRPr lang="fr-FR"/>
           </a:p>
@@ -3619,7 +3697,7 @@
           <a:p>
             <a:fld id="{A0D31D1D-66D5-45D1-B61A-EFF9A2169851}" type="datetimeFigureOut">
               <a:rPr lang="fr-FR" smtClean="0"/>
-              <a:t>14/11/2023</a:t>
+              <a:t>16/11/2023</a:t>
             </a:fld>
             <a:endParaRPr lang="fr-FR"/>
           </a:p>
@@ -3835,7 +3913,7 @@
           <a:p>
             <a:fld id="{A0D31D1D-66D5-45D1-B61A-EFF9A2169851}" type="datetimeFigureOut">
               <a:rPr lang="fr-FR" smtClean="0"/>
-              <a:t>14/11/2023</a:t>
+              <a:t>16/11/2023</a:t>
             </a:fld>
             <a:endParaRPr lang="fr-FR"/>
           </a:p>
@@ -4085,7 +4163,7 @@
           <a:p>
             <a:fld id="{A0D31D1D-66D5-45D1-B61A-EFF9A2169851}" type="datetimeFigureOut">
               <a:rPr lang="fr-FR" smtClean="0"/>
-              <a:t>14/11/2023</a:t>
+              <a:t>16/11/2023</a:t>
             </a:fld>
             <a:endParaRPr lang="fr-FR"/>
           </a:p>
@@ -4368,7 +4446,7 @@
           <a:p>
             <a:fld id="{A0D31D1D-66D5-45D1-B61A-EFF9A2169851}" type="datetimeFigureOut">
               <a:rPr lang="fr-FR" smtClean="0"/>
-              <a:t>14/11/2023</a:t>
+              <a:t>16/11/2023</a:t>
             </a:fld>
             <a:endParaRPr lang="fr-FR"/>
           </a:p>
@@ -4641,7 +4719,7 @@
           <a:p>
             <a:fld id="{A0D31D1D-66D5-45D1-B61A-EFF9A2169851}" type="datetimeFigureOut">
               <a:rPr lang="fr-FR" smtClean="0"/>
-              <a:t>14/11/2023</a:t>
+              <a:t>16/11/2023</a:t>
             </a:fld>
             <a:endParaRPr lang="fr-FR"/>
           </a:p>
@@ -5061,7 +5139,7 @@
           <a:p>
             <a:fld id="{A0D31D1D-66D5-45D1-B61A-EFF9A2169851}" type="datetimeFigureOut">
               <a:rPr lang="fr-FR" smtClean="0"/>
-              <a:t>14/11/2023</a:t>
+              <a:t>16/11/2023</a:t>
             </a:fld>
             <a:endParaRPr lang="fr-FR"/>
           </a:p>
@@ -5210,7 +5288,7 @@
           <a:p>
             <a:fld id="{A0D31D1D-66D5-45D1-B61A-EFF9A2169851}" type="datetimeFigureOut">
               <a:rPr lang="fr-FR" smtClean="0"/>
-              <a:t>14/11/2023</a:t>
+              <a:t>16/11/2023</a:t>
             </a:fld>
             <a:endParaRPr lang="fr-FR"/>
           </a:p>
@@ -5331,7 +5409,7 @@
           <a:p>
             <a:fld id="{A0D31D1D-66D5-45D1-B61A-EFF9A2169851}" type="datetimeFigureOut">
               <a:rPr lang="fr-FR" smtClean="0"/>
-              <a:t>14/11/2023</a:t>
+              <a:t>16/11/2023</a:t>
             </a:fld>
             <a:endParaRPr lang="fr-FR"/>
           </a:p>
@@ -5650,7 +5728,7 @@
           <a:p>
             <a:fld id="{A0D31D1D-66D5-45D1-B61A-EFF9A2169851}" type="datetimeFigureOut">
               <a:rPr lang="fr-FR" smtClean="0"/>
-              <a:t>14/11/2023</a:t>
+              <a:t>16/11/2023</a:t>
             </a:fld>
             <a:endParaRPr lang="fr-FR"/>
           </a:p>
@@ -5949,7 +6027,7 @@
           <a:p>
             <a:fld id="{A0D31D1D-66D5-45D1-B61A-EFF9A2169851}" type="datetimeFigureOut">
               <a:rPr lang="fr-FR" smtClean="0"/>
-              <a:t>14/11/2023</a:t>
+              <a:t>16/11/2023</a:t>
             </a:fld>
             <a:endParaRPr lang="fr-FR"/>
           </a:p>
@@ -6264,7 +6342,7 @@
           <a:p>
             <a:fld id="{A0D31D1D-66D5-45D1-B61A-EFF9A2169851}" type="datetimeFigureOut">
               <a:rPr lang="fr-FR" smtClean="0"/>
-              <a:t>14/11/2023</a:t>
+              <a:t>16/11/2023</a:t>
             </a:fld>
             <a:endParaRPr lang="fr-FR"/>
           </a:p>
@@ -8109,7 +8187,7 @@
             <p:ph idx="1"/>
             <p:extLst>
               <p:ext uri="{D42A27DB-BD31-4B8C-83A1-F6EECF244321}">
-                <p14:modId xmlns:p14="http://schemas.microsoft.com/office/powerpoint/2010/main" val="1791937974"/>
+                <p14:modId xmlns:p14="http://schemas.microsoft.com/office/powerpoint/2010/main" val="3415265791"/>
               </p:ext>
             </p:extLst>
           </p:nvPr>
@@ -8229,7 +8307,15 @@
             </a:r>
             <a:r>
               <a:rPr lang="fr-FR" b="1" dirty="0"/>
-              <a:t> spécifications techniques</a:t>
+              <a:t> spécifications techniques </a:t>
+            </a:r>
+            <a:r>
+              <a:rPr lang="fr-FR" dirty="0"/>
+              <a:t>et</a:t>
+            </a:r>
+            <a:r>
+              <a:rPr lang="fr-FR" b="1" dirty="0"/>
+              <a:t> fonctionnelles</a:t>
             </a:r>
           </a:p>
           <a:p>
@@ -8349,7 +8435,7 @@
         </p:blipFill>
         <p:spPr>
           <a:xfrm>
-            <a:off x="3076575" y="2981295"/>
+            <a:off x="3076575" y="3316575"/>
             <a:ext cx="928784" cy="290640"/>
           </a:xfrm>
           <a:prstGeom prst="rect">
@@ -8379,7 +8465,7 @@
         </p:blipFill>
         <p:spPr>
           <a:xfrm>
-            <a:off x="3076575" y="3364247"/>
+            <a:off x="3076575" y="3699527"/>
             <a:ext cx="928800" cy="296700"/>
           </a:xfrm>
           <a:prstGeom prst="rect">
@@ -8409,7 +8495,7 @@
         </p:blipFill>
         <p:spPr>
           <a:xfrm>
-            <a:off x="3076575" y="3753259"/>
+            <a:off x="3076575" y="4088539"/>
             <a:ext cx="928800" cy="287797"/>
           </a:xfrm>
           <a:prstGeom prst="rect">
